--- a/JavaScript for C#/Slide/JavaScript for C# developers (part-1).pptx
+++ b/JavaScript for C#/Slide/JavaScript for C# developers (part-1).pptx
@@ -243,7 +243,7 @@
           <a:p>
             <a:fld id="{59041DB8-B66F-4DC8-A96E-33677E0F90FF}" type="datetimeFigureOut">
               <a:rPr lang="en-US" smtClean="0"/>
-              <a:t>08-Jun-16</a:t>
+              <a:t>14-Jun-16</a:t>
             </a:fld>
             <a:endParaRPr lang="en-US"/>
           </a:p>
@@ -408,7 +408,7 @@
           <a:p>
             <a:fld id="{DEB49C4A-65AC-492D-9701-81B46C3AD0E4}" type="datetimeFigureOut">
               <a:rPr lang="en-US" smtClean="0"/>
-              <a:t>08-Jun-16</a:t>
+              <a:t>14-Jun-16</a:t>
             </a:fld>
             <a:endParaRPr lang="en-US"/>
           </a:p>
@@ -3240,7 +3240,7 @@
           <a:p>
             <a:fld id="{AE320762-5CBF-4210-AB54-376B091119F8}" type="datetime1">
               <a:rPr lang="en-US" smtClean="0"/>
-              <a:t>08-Jun-16</a:t>
+              <a:t>14-Jun-16</a:t>
             </a:fld>
             <a:endParaRPr lang="en-US"/>
           </a:p>
@@ -3531,7 +3531,7 @@
           <a:p>
             <a:fld id="{AE320762-5CBF-4210-AB54-376B091119F8}" type="datetime1">
               <a:rPr lang="en-US" smtClean="0"/>
-              <a:t>08-Jun-16</a:t>
+              <a:t>14-Jun-16</a:t>
             </a:fld>
             <a:endParaRPr lang="en-US"/>
           </a:p>
@@ -4163,7 +4163,7 @@
           <a:p>
             <a:fld id="{7F0DB371-BF5F-4058-A212-1A908E4D2674}" type="datetime1">
               <a:rPr lang="en-US" smtClean="0"/>
-              <a:t>08-Jun-16</a:t>
+              <a:t>14-Jun-16</a:t>
             </a:fld>
             <a:endParaRPr lang="en-US"/>
           </a:p>
@@ -4313,7 +4313,7 @@
           <a:p>
             <a:fld id="{AE374B5B-21A0-4192-BF4C-38187F1A68D8}" type="datetime1">
               <a:rPr lang="en-US" smtClean="0"/>
-              <a:t>08-Jun-16</a:t>
+              <a:t>14-Jun-16</a:t>
             </a:fld>
             <a:endParaRPr lang="en-US"/>
           </a:p>
@@ -6272,7 +6272,7 @@
           <a:p>
             <a:fld id="{60A4083B-90AA-48CF-BAD5-00AA24D7F288}" type="datetime1">
               <a:rPr lang="en-US" smtClean="0"/>
-              <a:t>08-Jun-16</a:t>
+              <a:t>14-Jun-16</a:t>
             </a:fld>
             <a:endParaRPr lang="en-US"/>
           </a:p>
@@ -8526,7 +8526,7 @@
           <a:p>
             <a:fld id="{F5BAF629-ECA2-4CF3-B790-9D9BDED98269}" type="datetime1">
               <a:rPr lang="en-US" smtClean="0"/>
-              <a:t>08-Jun-16</a:t>
+              <a:t>14-Jun-16</a:t>
             </a:fld>
             <a:endParaRPr lang="en-US"/>
           </a:p>
@@ -10752,7 +10752,7 @@
           <a:p>
             <a:fld id="{F5BAF629-ECA2-4CF3-B790-9D9BDED98269}" type="datetime1">
               <a:rPr lang="en-US" smtClean="0"/>
-              <a:t>08-Jun-16</a:t>
+              <a:t>14-Jun-16</a:t>
             </a:fld>
             <a:endParaRPr lang="en-US"/>
           </a:p>
@@ -13108,7 +13108,7 @@
           <a:p>
             <a:fld id="{384A29A4-78C8-47AB-BA06-22CB45938951}" type="datetime1">
               <a:rPr lang="en-US" smtClean="0"/>
-              <a:t>08-Jun-16</a:t>
+              <a:t>14-Jun-16</a:t>
             </a:fld>
             <a:endParaRPr lang="en-US"/>
           </a:p>
@@ -13307,7 +13307,7 @@
           <a:p>
             <a:fld id="{E1ED4ACF-2D82-46F2-A8E9-23963AA34E86}" type="datetime1">
               <a:rPr lang="en-US" smtClean="0"/>
-              <a:t>08-Jun-16</a:t>
+              <a:t>14-Jun-16</a:t>
             </a:fld>
             <a:endParaRPr lang="en-US"/>
           </a:p>
@@ -15399,7 +15399,7 @@
           <a:p>
             <a:fld id="{AE374B5B-21A0-4192-BF4C-38187F1A68D8}" type="datetime1">
               <a:rPr lang="en-US" smtClean="0"/>
-              <a:t>08-Jun-16</a:t>
+              <a:t>14-Jun-16</a:t>
             </a:fld>
             <a:endParaRPr lang="en-US"/>
           </a:p>
@@ -15607,7 +15607,7 @@
           <a:p>
             <a:fld id="{AE374B5B-21A0-4192-BF4C-38187F1A68D8}" type="datetime1">
               <a:rPr lang="en-US" smtClean="0"/>
-              <a:t>08-Jun-16</a:t>
+              <a:t>14-Jun-16</a:t>
             </a:fld>
             <a:endParaRPr lang="en-US"/>
           </a:p>
@@ -17955,7 +17955,7 @@
           <a:p>
             <a:fld id="{AE374B5B-21A0-4192-BF4C-38187F1A68D8}" type="datetime1">
               <a:rPr lang="en-US" smtClean="0"/>
-              <a:t>08-Jun-16</a:t>
+              <a:t>14-Jun-16</a:t>
             </a:fld>
             <a:endParaRPr lang="en-US"/>
           </a:p>
@@ -18350,7 +18350,7 @@
           <a:p>
             <a:fld id="{33B5CF7C-B333-48E1-A4A6-83A3C8B73AC0}" type="datetime1">
               <a:rPr lang="en-US" smtClean="0"/>
-              <a:t>08-Jun-16</a:t>
+              <a:t>14-Jun-16</a:t>
             </a:fld>
             <a:endParaRPr lang="en-US"/>
           </a:p>
@@ -18809,7 +18809,7 @@
           <a:p>
             <a:fld id="{AE320762-5CBF-4210-AB54-376B091119F8}" type="datetime1">
               <a:rPr lang="en-US" smtClean="0"/>
-              <a:t>08-Jun-16</a:t>
+              <a:t>14-Jun-16</a:t>
             </a:fld>
             <a:endParaRPr lang="en-US"/>
           </a:p>
@@ -19256,7 +19256,7 @@
           <a:p>
             <a:fld id="{AE320762-5CBF-4210-AB54-376B091119F8}" type="datetime1">
               <a:rPr lang="en-US" smtClean="0"/>
-              <a:t>08-Jun-16</a:t>
+              <a:t>14-Jun-16</a:t>
             </a:fld>
             <a:endParaRPr lang="en-US"/>
           </a:p>
@@ -19675,7 +19675,7 @@
           <a:p>
             <a:fld id="{AE320762-5CBF-4210-AB54-376B091119F8}" type="datetime1">
               <a:rPr lang="en-US" smtClean="0"/>
-              <a:t>08-Jun-16</a:t>
+              <a:t>14-Jun-16</a:t>
             </a:fld>
             <a:endParaRPr lang="en-US"/>
           </a:p>
@@ -21750,7 +21750,7 @@
           <a:p>
             <a:fld id="{B51B2453-8663-4C69-AF73-9FD7B1DEC5D0}" type="datetime1">
               <a:rPr lang="en-US" smtClean="0"/>
-              <a:t>08-Jun-16</a:t>
+              <a:t>14-Jun-16</a:t>
             </a:fld>
             <a:endParaRPr lang="en-US"/>
           </a:p>
@@ -27696,12 +27696,16 @@
               <a:buAutoNum type="arabicPeriod"/>
             </a:pPr>
             <a:r>
-              <a:rPr lang="en-US" dirty="0" smtClean="0">
+              <a:rPr lang="en-US" smtClean="0">
                 <a:latin typeface="Consolas" panose="020B0609020204030204" pitchFamily="49" charset="0"/>
                 <a:cs typeface="Consolas" panose="020B0609020204030204" pitchFamily="49" charset="0"/>
               </a:rPr>
-              <a:t>Left brace</a:t>
-            </a:r>
+              <a:t>Right brace</a:t>
+            </a:r>
+            <a:endParaRPr lang="en-US" dirty="0" smtClean="0">
+              <a:latin typeface="Consolas" panose="020B0609020204030204" pitchFamily="49" charset="0"/>
+              <a:cs typeface="Consolas" panose="020B0609020204030204" pitchFamily="49" charset="0"/>
+            </a:endParaRPr>
           </a:p>
           <a:p>
             <a:pPr marL="457200" indent="-457200">
@@ -31707,17 +31711,7 @@
                   </a:schemeClr>
                 </a:solidFill>
               </a:rPr>
-              <a:t>Multiple </a:t>
-            </a:r>
-            <a:r>
-              <a:rPr lang="en-US" dirty="0" smtClean="0">
-                <a:solidFill>
-                  <a:schemeClr val="bg1">
-                    <a:lumMod val="50000"/>
-                  </a:schemeClr>
-                </a:solidFill>
-              </a:rPr>
-              <a:t>binding of events and problems</a:t>
+              <a:t>Multiple binding of events and problems</a:t>
             </a:r>
           </a:p>
           <a:p>
